--- a/doc/plot.pptx
+++ b/doc/plot.pptx
@@ -5,12 +5,13 @@
     <p:sldMasterId id="2147483648" r:id="rId1"/>
   </p:sldMasterIdLst>
   <p:notesMasterIdLst>
-    <p:notesMasterId r:id="rId5"/>
+    <p:notesMasterId r:id="rId6"/>
   </p:notesMasterIdLst>
   <p:sldIdLst>
     <p:sldId id="256" r:id="rId2"/>
     <p:sldId id="257" r:id="rId3"/>
     <p:sldId id="258" r:id="rId4"/>
+    <p:sldId id="259" r:id="rId5"/>
   </p:sldIdLst>
   <p:sldSz cx="12192000" cy="6858000"/>
   <p:notesSz cx="6858000" cy="9144000"/>
@@ -3840,130 +3841,430 @@
           <a:chExt cx="0" cy="0"/>
         </a:xfrm>
       </p:grpSpPr>
-      <p:pic>
-        <p:nvPicPr>
-          <p:cNvPr id="23" name="Picture 22"/>
-          <p:cNvPicPr>
-            <a:picLocks noChangeAspect="1"/>
-          </p:cNvPicPr>
+      <p:grpSp>
+        <p:nvGrpSpPr>
+          <p:cNvPr id="48" name="Group 47"/>
+          <p:cNvGrpSpPr/>
           <p:nvPr/>
-        </p:nvPicPr>
-        <p:blipFill>
-          <a:blip r:embed="rId3">
-            <a:extLst>
-              <a:ext uri="{28A0092B-C50C-407E-A947-70E740481C1C}">
-                <a14:useLocalDpi xmlns:a14="http://schemas.microsoft.com/office/drawing/2010/main" val="0"/>
-              </a:ext>
-            </a:extLst>
-          </a:blip>
-          <a:stretch>
-            <a:fillRect/>
-          </a:stretch>
-        </p:blipFill>
-        <p:spPr>
+        </p:nvGrpSpPr>
+        <p:grpSpPr>
           <a:xfrm>
-            <a:off x="895771" y="264160"/>
-            <a:ext cx="2922693" cy="2192020"/>
+            <a:off x="2045970" y="-1150620"/>
+            <a:ext cx="9100820" cy="4739640"/>
+            <a:chOff x="2045970" y="-1150620"/>
+            <a:chExt cx="9100820" cy="4739640"/>
           </a:xfrm>
-          <a:prstGeom prst="rect">
-            <a:avLst/>
-          </a:prstGeom>
-        </p:spPr>
-      </p:pic>
-      <p:pic>
-        <p:nvPicPr>
-          <p:cNvPr id="24" name="Picture 23"/>
-          <p:cNvPicPr>
-            <a:picLocks noChangeAspect="1"/>
-          </p:cNvPicPr>
-          <p:nvPr/>
-        </p:nvPicPr>
-        <p:blipFill>
-          <a:blip r:embed="rId4">
-            <a:extLst>
-              <a:ext uri="{28A0092B-C50C-407E-A947-70E740481C1C}">
-                <a14:useLocalDpi xmlns:a14="http://schemas.microsoft.com/office/drawing/2010/main" val="0"/>
-              </a:ext>
-            </a:extLst>
-          </a:blip>
-          <a:stretch>
-            <a:fillRect/>
-          </a:stretch>
-        </p:blipFill>
-        <p:spPr>
-          <a:xfrm>
-            <a:off x="6741158" y="264160"/>
-            <a:ext cx="2922693" cy="2192020"/>
-          </a:xfrm>
-          <a:prstGeom prst="rect">
-            <a:avLst/>
-          </a:prstGeom>
-        </p:spPr>
-      </p:pic>
-      <p:pic>
-        <p:nvPicPr>
-          <p:cNvPr id="26" name="Picture 25"/>
-          <p:cNvPicPr>
-            <a:picLocks noChangeAspect="1"/>
-          </p:cNvPicPr>
-          <p:nvPr/>
-        </p:nvPicPr>
-        <p:blipFill>
-          <a:blip r:embed="rId5">
-            <a:extLst>
-              <a:ext uri="{28A0092B-C50C-407E-A947-70E740481C1C}">
-                <a14:useLocalDpi xmlns:a14="http://schemas.microsoft.com/office/drawing/2010/main" val="0"/>
-              </a:ext>
-            </a:extLst>
-          </a:blip>
-          <a:stretch>
-            <a:fillRect/>
-          </a:stretch>
-        </p:blipFill>
-        <p:spPr>
-          <a:xfrm>
-            <a:off x="895773" y="2456180"/>
-            <a:ext cx="2922693" cy="2192020"/>
-          </a:xfrm>
-          <a:prstGeom prst="rect">
-            <a:avLst/>
-          </a:prstGeom>
-        </p:spPr>
-      </p:pic>
-      <p:pic>
-        <p:nvPicPr>
-          <p:cNvPr id="27" name="Picture 26"/>
-          <p:cNvPicPr>
-            <a:picLocks noChangeAspect="1"/>
-          </p:cNvPicPr>
-          <p:nvPr/>
-        </p:nvPicPr>
-        <p:blipFill>
-          <a:blip r:embed="rId6">
-            <a:extLst>
-              <a:ext uri="{28A0092B-C50C-407E-A947-70E740481C1C}">
-                <a14:useLocalDpi xmlns:a14="http://schemas.microsoft.com/office/drawing/2010/main" val="0"/>
-              </a:ext>
-            </a:extLst>
-          </a:blip>
-          <a:stretch>
-            <a:fillRect/>
-          </a:stretch>
-        </p:blipFill>
-        <p:spPr>
-          <a:xfrm>
-            <a:off x="6741159" y="2456180"/>
-            <a:ext cx="2922693" cy="2192020"/>
-          </a:xfrm>
-          <a:prstGeom prst="rect">
-            <a:avLst/>
-          </a:prstGeom>
-        </p:spPr>
-      </p:pic>
+        </p:grpSpPr>
+        <p:pic>
+          <p:nvPicPr>
+            <p:cNvPr id="42" name="Picture 41"/>
+            <p:cNvPicPr>
+              <a:picLocks noChangeAspect="1"/>
+            </p:cNvPicPr>
+            <p:nvPr/>
+          </p:nvPicPr>
+          <p:blipFill>
+            <a:blip r:embed="rId3">
+              <a:extLst>
+                <a:ext uri="{28A0092B-C50C-407E-A947-70E740481C1C}">
+                  <a14:useLocalDpi xmlns:a14="http://schemas.microsoft.com/office/drawing/2010/main" val="0"/>
+                </a:ext>
+              </a:extLst>
+            </a:blip>
+            <a:stretch>
+              <a:fillRect/>
+            </a:stretch>
+          </p:blipFill>
+          <p:spPr>
+            <a:xfrm>
+              <a:off x="2045970" y="-1150620"/>
+              <a:ext cx="3159760" cy="2369820"/>
+            </a:xfrm>
+            <a:prstGeom prst="rect">
+              <a:avLst/>
+            </a:prstGeom>
+          </p:spPr>
+        </p:pic>
+        <p:pic>
+          <p:nvPicPr>
+            <p:cNvPr id="43" name="Picture 42"/>
+            <p:cNvPicPr>
+              <a:picLocks noChangeAspect="1"/>
+            </p:cNvPicPr>
+            <p:nvPr/>
+          </p:nvPicPr>
+          <p:blipFill>
+            <a:blip r:embed="rId4">
+              <a:extLst>
+                <a:ext uri="{28A0092B-C50C-407E-A947-70E740481C1C}">
+                  <a14:useLocalDpi xmlns:a14="http://schemas.microsoft.com/office/drawing/2010/main" val="0"/>
+                </a:ext>
+              </a:extLst>
+            </a:blip>
+            <a:stretch>
+              <a:fillRect/>
+            </a:stretch>
+          </p:blipFill>
+          <p:spPr>
+            <a:xfrm>
+              <a:off x="7987030" y="-1150620"/>
+              <a:ext cx="3159760" cy="2369820"/>
+            </a:xfrm>
+            <a:prstGeom prst="rect">
+              <a:avLst/>
+            </a:prstGeom>
+          </p:spPr>
+        </p:pic>
+        <p:pic>
+          <p:nvPicPr>
+            <p:cNvPr id="44" name="Picture 43"/>
+            <p:cNvPicPr>
+              <a:picLocks noChangeAspect="1"/>
+            </p:cNvPicPr>
+            <p:nvPr/>
+          </p:nvPicPr>
+          <p:blipFill>
+            <a:blip r:embed="rId5">
+              <a:extLst>
+                <a:ext uri="{28A0092B-C50C-407E-A947-70E740481C1C}">
+                  <a14:useLocalDpi xmlns:a14="http://schemas.microsoft.com/office/drawing/2010/main" val="0"/>
+                </a:ext>
+              </a:extLst>
+            </a:blip>
+            <a:stretch>
+              <a:fillRect/>
+            </a:stretch>
+          </p:blipFill>
+          <p:spPr>
+            <a:xfrm>
+              <a:off x="5016500" y="-1150620"/>
+              <a:ext cx="3159760" cy="2369820"/>
+            </a:xfrm>
+            <a:prstGeom prst="rect">
+              <a:avLst/>
+            </a:prstGeom>
+          </p:spPr>
+        </p:pic>
+        <p:pic>
+          <p:nvPicPr>
+            <p:cNvPr id="45" name="Picture 44"/>
+            <p:cNvPicPr>
+              <a:picLocks noChangeAspect="1"/>
+            </p:cNvPicPr>
+            <p:nvPr/>
+          </p:nvPicPr>
+          <p:blipFill>
+            <a:blip r:embed="rId6">
+              <a:extLst>
+                <a:ext uri="{28A0092B-C50C-407E-A947-70E740481C1C}">
+                  <a14:useLocalDpi xmlns:a14="http://schemas.microsoft.com/office/drawing/2010/main" val="0"/>
+                </a:ext>
+              </a:extLst>
+            </a:blip>
+            <a:stretch>
+              <a:fillRect/>
+            </a:stretch>
+          </p:blipFill>
+          <p:spPr>
+            <a:xfrm>
+              <a:off x="2045970" y="1219200"/>
+              <a:ext cx="3159760" cy="2369820"/>
+            </a:xfrm>
+            <a:prstGeom prst="rect">
+              <a:avLst/>
+            </a:prstGeom>
+          </p:spPr>
+        </p:pic>
+        <p:pic>
+          <p:nvPicPr>
+            <p:cNvPr id="46" name="Picture 45"/>
+            <p:cNvPicPr>
+              <a:picLocks noChangeAspect="1"/>
+            </p:cNvPicPr>
+            <p:nvPr/>
+          </p:nvPicPr>
+          <p:blipFill>
+            <a:blip r:embed="rId7">
+              <a:extLst>
+                <a:ext uri="{28A0092B-C50C-407E-A947-70E740481C1C}">
+                  <a14:useLocalDpi xmlns:a14="http://schemas.microsoft.com/office/drawing/2010/main" val="0"/>
+                </a:ext>
+              </a:extLst>
+            </a:blip>
+            <a:stretch>
+              <a:fillRect/>
+            </a:stretch>
+          </p:blipFill>
+          <p:spPr>
+            <a:xfrm>
+              <a:off x="7987030" y="1219200"/>
+              <a:ext cx="3159760" cy="2369820"/>
+            </a:xfrm>
+            <a:prstGeom prst="rect">
+              <a:avLst/>
+            </a:prstGeom>
+          </p:spPr>
+        </p:pic>
+        <p:pic>
+          <p:nvPicPr>
+            <p:cNvPr id="47" name="Picture 46"/>
+            <p:cNvPicPr>
+              <a:picLocks noChangeAspect="1"/>
+            </p:cNvPicPr>
+            <p:nvPr/>
+          </p:nvPicPr>
+          <p:blipFill>
+            <a:blip r:embed="rId8">
+              <a:extLst>
+                <a:ext uri="{28A0092B-C50C-407E-A947-70E740481C1C}">
+                  <a14:useLocalDpi xmlns:a14="http://schemas.microsoft.com/office/drawing/2010/main" val="0"/>
+                </a:ext>
+              </a:extLst>
+            </a:blip>
+            <a:stretch>
+              <a:fillRect/>
+            </a:stretch>
+          </p:blipFill>
+          <p:spPr>
+            <a:xfrm>
+              <a:off x="5016500" y="1219200"/>
+              <a:ext cx="3159760" cy="2369820"/>
+            </a:xfrm>
+            <a:prstGeom prst="rect">
+              <a:avLst/>
+            </a:prstGeom>
+          </p:spPr>
+        </p:pic>
+      </p:grpSp>
     </p:spTree>
     <p:extLst>
       <p:ext uri="{BB962C8B-B14F-4D97-AF65-F5344CB8AC3E}">
         <p14:creationId xmlns:p14="http://schemas.microsoft.com/office/powerpoint/2010/main" val="1978994404"/>
+      </p:ext>
+    </p:extLst>
+  </p:cSld>
+  <p:clrMapOvr>
+    <a:masterClrMapping/>
+  </p:clrMapOvr>
+</p:sld>
+</file>
+
+<file path=ppt/slides/slide4.xml><?xml version="1.0" encoding="utf-8"?>
+<p:sld xmlns:a="http://schemas.openxmlformats.org/drawingml/2006/main" xmlns:r="http://schemas.openxmlformats.org/officeDocument/2006/relationships" xmlns:p="http://schemas.openxmlformats.org/presentationml/2006/main">
+  <p:cSld>
+    <p:spTree>
+      <p:nvGrpSpPr>
+        <p:cNvPr id="1" name=""/>
+        <p:cNvGrpSpPr/>
+        <p:nvPr/>
+      </p:nvGrpSpPr>
+      <p:grpSpPr>
+        <a:xfrm>
+          <a:off x="0" y="0"/>
+          <a:ext cx="0" cy="0"/>
+          <a:chOff x="0" y="0"/>
+          <a:chExt cx="0" cy="0"/>
+        </a:xfrm>
+      </p:grpSpPr>
+      <p:grpSp>
+        <p:nvGrpSpPr>
+          <p:cNvPr id="8" name="Group 7"/>
+          <p:cNvGrpSpPr/>
+          <p:nvPr/>
+        </p:nvGrpSpPr>
+        <p:grpSpPr>
+          <a:xfrm>
+            <a:off x="2364105" y="2195824"/>
+            <a:ext cx="6698615" cy="3348995"/>
+            <a:chOff x="2364105" y="2195824"/>
+            <a:chExt cx="6698615" cy="3348995"/>
+          </a:xfrm>
+        </p:grpSpPr>
+        <p:pic>
+          <p:nvPicPr>
+            <p:cNvPr id="2" name="Picture 1"/>
+            <p:cNvPicPr>
+              <a:picLocks noChangeAspect="1"/>
+            </p:cNvPicPr>
+            <p:nvPr/>
+          </p:nvPicPr>
+          <p:blipFill>
+            <a:blip r:embed="rId2">
+              <a:extLst>
+                <a:ext uri="{28A0092B-C50C-407E-A947-70E740481C1C}">
+                  <a14:useLocalDpi xmlns:a14="http://schemas.microsoft.com/office/drawing/2010/main" val="0"/>
+                </a:ext>
+              </a:extLst>
+            </a:blip>
+            <a:stretch>
+              <a:fillRect/>
+            </a:stretch>
+          </p:blipFill>
+          <p:spPr>
+            <a:xfrm>
+              <a:off x="2364105" y="2195824"/>
+              <a:ext cx="2232660" cy="1674495"/>
+            </a:xfrm>
+            <a:prstGeom prst="rect">
+              <a:avLst/>
+            </a:prstGeom>
+          </p:spPr>
+        </p:pic>
+        <p:pic>
+          <p:nvPicPr>
+            <p:cNvPr id="3" name="Picture 2"/>
+            <p:cNvPicPr>
+              <a:picLocks noChangeAspect="1"/>
+            </p:cNvPicPr>
+            <p:nvPr/>
+          </p:nvPicPr>
+          <p:blipFill>
+            <a:blip r:embed="rId3">
+              <a:extLst>
+                <a:ext uri="{28A0092B-C50C-407E-A947-70E740481C1C}">
+                  <a14:useLocalDpi xmlns:a14="http://schemas.microsoft.com/office/drawing/2010/main" val="0"/>
+                </a:ext>
+              </a:extLst>
+            </a:blip>
+            <a:stretch>
+              <a:fillRect/>
+            </a:stretch>
+          </p:blipFill>
+          <p:spPr>
+            <a:xfrm>
+              <a:off x="6830060" y="2195825"/>
+              <a:ext cx="2232660" cy="1674495"/>
+            </a:xfrm>
+            <a:prstGeom prst="rect">
+              <a:avLst/>
+            </a:prstGeom>
+          </p:spPr>
+        </p:pic>
+        <p:pic>
+          <p:nvPicPr>
+            <p:cNvPr id="4" name="Picture 3"/>
+            <p:cNvPicPr>
+              <a:picLocks noChangeAspect="1"/>
+            </p:cNvPicPr>
+            <p:nvPr/>
+          </p:nvPicPr>
+          <p:blipFill>
+            <a:blip r:embed="rId4">
+              <a:extLst>
+                <a:ext uri="{28A0092B-C50C-407E-A947-70E740481C1C}">
+                  <a14:useLocalDpi xmlns:a14="http://schemas.microsoft.com/office/drawing/2010/main" val="0"/>
+                </a:ext>
+              </a:extLst>
+            </a:blip>
+            <a:stretch>
+              <a:fillRect/>
+            </a:stretch>
+          </p:blipFill>
+          <p:spPr>
+            <a:xfrm>
+              <a:off x="4597400" y="2195827"/>
+              <a:ext cx="2232660" cy="1674495"/>
+            </a:xfrm>
+            <a:prstGeom prst="rect">
+              <a:avLst/>
+            </a:prstGeom>
+          </p:spPr>
+        </p:pic>
+        <p:pic>
+          <p:nvPicPr>
+            <p:cNvPr id="5" name="Picture 4"/>
+            <p:cNvPicPr>
+              <a:picLocks noChangeAspect="1"/>
+            </p:cNvPicPr>
+            <p:nvPr/>
+          </p:nvPicPr>
+          <p:blipFill>
+            <a:blip r:embed="rId5">
+              <a:extLst>
+                <a:ext uri="{28A0092B-C50C-407E-A947-70E740481C1C}">
+                  <a14:useLocalDpi xmlns:a14="http://schemas.microsoft.com/office/drawing/2010/main" val="0"/>
+                </a:ext>
+              </a:extLst>
+            </a:blip>
+            <a:stretch>
+              <a:fillRect/>
+            </a:stretch>
+          </p:blipFill>
+          <p:spPr>
+            <a:xfrm>
+              <a:off x="2364105" y="3870323"/>
+              <a:ext cx="2232660" cy="1674495"/>
+            </a:xfrm>
+            <a:prstGeom prst="rect">
+              <a:avLst/>
+            </a:prstGeom>
+          </p:spPr>
+        </p:pic>
+        <p:pic>
+          <p:nvPicPr>
+            <p:cNvPr id="6" name="Picture 5"/>
+            <p:cNvPicPr>
+              <a:picLocks noChangeAspect="1"/>
+            </p:cNvPicPr>
+            <p:nvPr/>
+          </p:nvPicPr>
+          <p:blipFill>
+            <a:blip r:embed="rId6">
+              <a:extLst>
+                <a:ext uri="{28A0092B-C50C-407E-A947-70E740481C1C}">
+                  <a14:useLocalDpi xmlns:a14="http://schemas.microsoft.com/office/drawing/2010/main" val="0"/>
+                </a:ext>
+              </a:extLst>
+            </a:blip>
+            <a:stretch>
+              <a:fillRect/>
+            </a:stretch>
+          </p:blipFill>
+          <p:spPr>
+            <a:xfrm>
+              <a:off x="6830060" y="3870323"/>
+              <a:ext cx="2232660" cy="1674495"/>
+            </a:xfrm>
+            <a:prstGeom prst="rect">
+              <a:avLst/>
+            </a:prstGeom>
+          </p:spPr>
+        </p:pic>
+        <p:pic>
+          <p:nvPicPr>
+            <p:cNvPr id="7" name="Picture 6"/>
+            <p:cNvPicPr>
+              <a:picLocks noChangeAspect="1"/>
+            </p:cNvPicPr>
+            <p:nvPr/>
+          </p:nvPicPr>
+          <p:blipFill>
+            <a:blip r:embed="rId7">
+              <a:extLst>
+                <a:ext uri="{28A0092B-C50C-407E-A947-70E740481C1C}">
+                  <a14:useLocalDpi xmlns:a14="http://schemas.microsoft.com/office/drawing/2010/main" val="0"/>
+                </a:ext>
+              </a:extLst>
+            </a:blip>
+            <a:stretch>
+              <a:fillRect/>
+            </a:stretch>
+          </p:blipFill>
+          <p:spPr>
+            <a:xfrm>
+              <a:off x="4597400" y="3870324"/>
+              <a:ext cx="2232660" cy="1674495"/>
+            </a:xfrm>
+            <a:prstGeom prst="rect">
+              <a:avLst/>
+            </a:prstGeom>
+          </p:spPr>
+        </p:pic>
+      </p:grpSp>
+    </p:spTree>
+    <p:extLst>
+      <p:ext uri="{BB962C8B-B14F-4D97-AF65-F5344CB8AC3E}">
+        <p14:creationId xmlns:p14="http://schemas.microsoft.com/office/powerpoint/2010/main" val="213792246"/>
       </p:ext>
     </p:extLst>
   </p:cSld>

--- a/doc/plot.pptx
+++ b/doc/plot.pptx
@@ -4066,201 +4066,6 @@
           <a:chExt cx="0" cy="0"/>
         </a:xfrm>
       </p:grpSpPr>
-      <p:grpSp>
-        <p:nvGrpSpPr>
-          <p:cNvPr id="8" name="Group 7"/>
-          <p:cNvGrpSpPr/>
-          <p:nvPr/>
-        </p:nvGrpSpPr>
-        <p:grpSpPr>
-          <a:xfrm>
-            <a:off x="2364105" y="2195824"/>
-            <a:ext cx="6698615" cy="3348995"/>
-            <a:chOff x="2364105" y="2195824"/>
-            <a:chExt cx="6698615" cy="3348995"/>
-          </a:xfrm>
-        </p:grpSpPr>
-        <p:pic>
-          <p:nvPicPr>
-            <p:cNvPr id="2" name="Picture 1"/>
-            <p:cNvPicPr>
-              <a:picLocks noChangeAspect="1"/>
-            </p:cNvPicPr>
-            <p:nvPr/>
-          </p:nvPicPr>
-          <p:blipFill>
-            <a:blip r:embed="rId2">
-              <a:extLst>
-                <a:ext uri="{28A0092B-C50C-407E-A947-70E740481C1C}">
-                  <a14:useLocalDpi xmlns:a14="http://schemas.microsoft.com/office/drawing/2010/main" val="0"/>
-                </a:ext>
-              </a:extLst>
-            </a:blip>
-            <a:stretch>
-              <a:fillRect/>
-            </a:stretch>
-          </p:blipFill>
-          <p:spPr>
-            <a:xfrm>
-              <a:off x="2364105" y="2195824"/>
-              <a:ext cx="2232660" cy="1674495"/>
-            </a:xfrm>
-            <a:prstGeom prst="rect">
-              <a:avLst/>
-            </a:prstGeom>
-          </p:spPr>
-        </p:pic>
-        <p:pic>
-          <p:nvPicPr>
-            <p:cNvPr id="3" name="Picture 2"/>
-            <p:cNvPicPr>
-              <a:picLocks noChangeAspect="1"/>
-            </p:cNvPicPr>
-            <p:nvPr/>
-          </p:nvPicPr>
-          <p:blipFill>
-            <a:blip r:embed="rId3">
-              <a:extLst>
-                <a:ext uri="{28A0092B-C50C-407E-A947-70E740481C1C}">
-                  <a14:useLocalDpi xmlns:a14="http://schemas.microsoft.com/office/drawing/2010/main" val="0"/>
-                </a:ext>
-              </a:extLst>
-            </a:blip>
-            <a:stretch>
-              <a:fillRect/>
-            </a:stretch>
-          </p:blipFill>
-          <p:spPr>
-            <a:xfrm>
-              <a:off x="6830060" y="2195825"/>
-              <a:ext cx="2232660" cy="1674495"/>
-            </a:xfrm>
-            <a:prstGeom prst="rect">
-              <a:avLst/>
-            </a:prstGeom>
-          </p:spPr>
-        </p:pic>
-        <p:pic>
-          <p:nvPicPr>
-            <p:cNvPr id="4" name="Picture 3"/>
-            <p:cNvPicPr>
-              <a:picLocks noChangeAspect="1"/>
-            </p:cNvPicPr>
-            <p:nvPr/>
-          </p:nvPicPr>
-          <p:blipFill>
-            <a:blip r:embed="rId4">
-              <a:extLst>
-                <a:ext uri="{28A0092B-C50C-407E-A947-70E740481C1C}">
-                  <a14:useLocalDpi xmlns:a14="http://schemas.microsoft.com/office/drawing/2010/main" val="0"/>
-                </a:ext>
-              </a:extLst>
-            </a:blip>
-            <a:stretch>
-              <a:fillRect/>
-            </a:stretch>
-          </p:blipFill>
-          <p:spPr>
-            <a:xfrm>
-              <a:off x="4597400" y="2195827"/>
-              <a:ext cx="2232660" cy="1674495"/>
-            </a:xfrm>
-            <a:prstGeom prst="rect">
-              <a:avLst/>
-            </a:prstGeom>
-          </p:spPr>
-        </p:pic>
-        <p:pic>
-          <p:nvPicPr>
-            <p:cNvPr id="5" name="Picture 4"/>
-            <p:cNvPicPr>
-              <a:picLocks noChangeAspect="1"/>
-            </p:cNvPicPr>
-            <p:nvPr/>
-          </p:nvPicPr>
-          <p:blipFill>
-            <a:blip r:embed="rId5">
-              <a:extLst>
-                <a:ext uri="{28A0092B-C50C-407E-A947-70E740481C1C}">
-                  <a14:useLocalDpi xmlns:a14="http://schemas.microsoft.com/office/drawing/2010/main" val="0"/>
-                </a:ext>
-              </a:extLst>
-            </a:blip>
-            <a:stretch>
-              <a:fillRect/>
-            </a:stretch>
-          </p:blipFill>
-          <p:spPr>
-            <a:xfrm>
-              <a:off x="2364105" y="3870323"/>
-              <a:ext cx="2232660" cy="1674495"/>
-            </a:xfrm>
-            <a:prstGeom prst="rect">
-              <a:avLst/>
-            </a:prstGeom>
-          </p:spPr>
-        </p:pic>
-        <p:pic>
-          <p:nvPicPr>
-            <p:cNvPr id="6" name="Picture 5"/>
-            <p:cNvPicPr>
-              <a:picLocks noChangeAspect="1"/>
-            </p:cNvPicPr>
-            <p:nvPr/>
-          </p:nvPicPr>
-          <p:blipFill>
-            <a:blip r:embed="rId6">
-              <a:extLst>
-                <a:ext uri="{28A0092B-C50C-407E-A947-70E740481C1C}">
-                  <a14:useLocalDpi xmlns:a14="http://schemas.microsoft.com/office/drawing/2010/main" val="0"/>
-                </a:ext>
-              </a:extLst>
-            </a:blip>
-            <a:stretch>
-              <a:fillRect/>
-            </a:stretch>
-          </p:blipFill>
-          <p:spPr>
-            <a:xfrm>
-              <a:off x="6830060" y="3870323"/>
-              <a:ext cx="2232660" cy="1674495"/>
-            </a:xfrm>
-            <a:prstGeom prst="rect">
-              <a:avLst/>
-            </a:prstGeom>
-          </p:spPr>
-        </p:pic>
-        <p:pic>
-          <p:nvPicPr>
-            <p:cNvPr id="7" name="Picture 6"/>
-            <p:cNvPicPr>
-              <a:picLocks noChangeAspect="1"/>
-            </p:cNvPicPr>
-            <p:nvPr/>
-          </p:nvPicPr>
-          <p:blipFill>
-            <a:blip r:embed="rId7">
-              <a:extLst>
-                <a:ext uri="{28A0092B-C50C-407E-A947-70E740481C1C}">
-                  <a14:useLocalDpi xmlns:a14="http://schemas.microsoft.com/office/drawing/2010/main" val="0"/>
-                </a:ext>
-              </a:extLst>
-            </a:blip>
-            <a:stretch>
-              <a:fillRect/>
-            </a:stretch>
-          </p:blipFill>
-          <p:spPr>
-            <a:xfrm>
-              <a:off x="4597400" y="3870324"/>
-              <a:ext cx="2232660" cy="1674495"/>
-            </a:xfrm>
-            <a:prstGeom prst="rect">
-              <a:avLst/>
-            </a:prstGeom>
-          </p:spPr>
-        </p:pic>
-      </p:grpSp>
     </p:spTree>
     <p:extLst>
       <p:ext uri="{BB962C8B-B14F-4D97-AF65-F5344CB8AC3E}">
